--- a/doc/XASDI-Development-Guide.pptx
+++ b/doc/XASDI-Development-Guide.pptx
@@ -213,7 +213,7 @@
   </p:defaultTextStyle>
   <p:extLst>
     <p:ext uri="{EFAFB233-063F-42B5-8137-9DF3F51BA10A}">
-      <p15:sldGuideLst xmlns="" xmlns:p15="http://schemas.microsoft.com/office/powerpoint/2012/main">
+      <p15:sldGuideLst xmlns:p15="http://schemas.microsoft.com/office/powerpoint/2012/main">
         <p15:guide id="1" orient="horz" pos="2160">
           <p15:clr>
             <a:srgbClr val="A4A3A4"/>
@@ -339,7 +339,7 @@
               <a:pPr>
                 <a:defRPr/>
               </a:pPr>
-              <a:t>3/8/16</a:t>
+              <a:t>2018/2/2</a:t>
             </a:fld>
             <a:endParaRPr lang="ja-JP" altLang="en-US"/>
           </a:p>
@@ -1443,7 +1443,7 @@
             </a:pPr>
             <a:fld id="{43933346-4DAC-43CD-8CB8-DB8B4382A3A0}" type="datetime1">
               <a:rPr lang="ja-JP" altLang="en-US" smtClean="0"/>
-              <a:t>3/8/16</a:t>
+              <a:t>2018/2/2</a:t>
             </a:fld>
             <a:endParaRPr lang="ja-JP" altLang="en-US"/>
           </a:p>
@@ -1668,7 +1668,7 @@
             </a:pPr>
             <a:fld id="{ABA04CB7-68C9-467C-908E-1BFD27E427C2}" type="datetime1">
               <a:rPr lang="ja-JP" altLang="en-US" smtClean="0"/>
-              <a:t>3/8/16</a:t>
+              <a:t>2018/2/2</a:t>
             </a:fld>
             <a:endParaRPr lang="ja-JP" altLang="en-US"/>
           </a:p>
@@ -1903,7 +1903,7 @@
             </a:pPr>
             <a:fld id="{3651FC85-CCD9-45BB-82FC-5949E20A9E62}" type="datetime1">
               <a:rPr lang="ja-JP" altLang="en-US" smtClean="0"/>
-              <a:t>3/8/16</a:t>
+              <a:t>2018/2/2</a:t>
             </a:fld>
             <a:endParaRPr lang="ja-JP" altLang="en-US"/>
           </a:p>
@@ -2128,7 +2128,7 @@
             </a:pPr>
             <a:fld id="{AD789348-2AAD-4342-BACD-F2CCADB49D38}" type="datetime1">
               <a:rPr lang="ja-JP" altLang="en-US" smtClean="0"/>
-              <a:t>3/8/16</a:t>
+              <a:t>2018/2/2</a:t>
             </a:fld>
             <a:endParaRPr lang="ja-JP" altLang="en-US"/>
           </a:p>
@@ -2397,7 +2397,7 @@
             </a:pPr>
             <a:fld id="{A39A5120-29EC-40CB-9063-DBA62492B96A}" type="datetime1">
               <a:rPr lang="ja-JP" altLang="en-US" smtClean="0"/>
-              <a:t>3/8/16</a:t>
+              <a:t>2018/2/2</a:t>
             </a:fld>
             <a:endParaRPr lang="ja-JP" altLang="en-US"/>
           </a:p>
@@ -2772,7 +2772,7 @@
             </a:pPr>
             <a:fld id="{0A5BEDD3-E86F-4B6D-AD1C-95B6C5DFD6E1}" type="datetime1">
               <a:rPr lang="ja-JP" altLang="en-US" smtClean="0"/>
-              <a:t>3/8/16</a:t>
+              <a:t>2018/2/2</a:t>
             </a:fld>
             <a:endParaRPr lang="ja-JP" altLang="en-US"/>
           </a:p>
@@ -3281,7 +3281,7 @@
             </a:pPr>
             <a:fld id="{4155E422-B933-4954-BC4A-540D9BE568F5}" type="datetime1">
               <a:rPr lang="ja-JP" altLang="en-US" smtClean="0"/>
-              <a:t>3/8/16</a:t>
+              <a:t>2018/2/2</a:t>
             </a:fld>
             <a:endParaRPr lang="ja-JP" altLang="en-US"/>
           </a:p>
@@ -3422,7 +3422,7 @@
             </a:pPr>
             <a:fld id="{62CAD742-E7DB-41DF-AF33-45045CFC04CB}" type="datetime1">
               <a:rPr lang="ja-JP" altLang="en-US" smtClean="0"/>
-              <a:t>3/8/16</a:t>
+              <a:t>2018/2/2</a:t>
             </a:fld>
             <a:endParaRPr lang="ja-JP" altLang="en-US"/>
           </a:p>
@@ -3540,7 +3540,7 @@
             </a:pPr>
             <a:fld id="{6BB5BA2C-1D3F-4576-B015-A30097C2B884}" type="datetime1">
               <a:rPr lang="ja-JP" altLang="en-US" smtClean="0"/>
-              <a:t>3/8/16</a:t>
+              <a:t>2018/2/2</a:t>
             </a:fld>
             <a:endParaRPr lang="ja-JP" altLang="en-US"/>
           </a:p>
@@ -3872,7 +3872,7 @@
             </a:pPr>
             <a:fld id="{354E33FE-F480-401B-A6BE-184026932224}" type="datetime1">
               <a:rPr lang="ja-JP" altLang="en-US" smtClean="0"/>
-              <a:t>3/8/16</a:t>
+              <a:t>2018/2/2</a:t>
             </a:fld>
             <a:endParaRPr lang="ja-JP" altLang="en-US"/>
           </a:p>
@@ -4151,7 +4151,7 @@
             </a:pPr>
             <a:fld id="{32574080-5002-4B3D-A691-6D5D7FB07255}" type="datetime1">
               <a:rPr lang="ja-JP" altLang="en-US" smtClean="0"/>
-              <a:t>3/8/16</a:t>
+              <a:t>2018/2/2</a:t>
             </a:fld>
             <a:endParaRPr lang="ja-JP" altLang="en-US"/>
           </a:p>
@@ -4440,7 +4440,7 @@
             </a:pPr>
             <a:fld id="{038FEB8D-BE7B-4794-BD1F-0E00EFDFC3BE}" type="datetime1">
               <a:rPr lang="ja-JP" altLang="en-US" smtClean="0"/>
-              <a:t>3/8/16</a:t>
+              <a:t>2018/2/2</a:t>
             </a:fld>
             <a:endParaRPr lang="ja-JP" altLang="en-US"/>
           </a:p>
@@ -5058,21 +5058,8 @@
                   <a:srgbClr val="898989"/>
                 </a:solidFill>
               </a:rPr>
-              <a:t>v0.</a:t>
-            </a:r>
-            <a:r>
-              <a:rPr lang="en-US" altLang="ja-JP" dirty="0" smtClean="0">
-                <a:solidFill>
-                  <a:srgbClr val="898989"/>
-                </a:solidFill>
-              </a:rPr>
-              <a:t>9.0</a:t>
-            </a:r>
-            <a:endParaRPr lang="en-US" altLang="ja-JP" dirty="0" smtClean="0">
-              <a:solidFill>
-                <a:srgbClr val="898989"/>
-              </a:solidFill>
-            </a:endParaRPr>
+              <a:t>v0.9.0</a:t>
+            </a:r>
           </a:p>
         </p:txBody>
       </p:sp>
@@ -5119,19 +5106,7 @@
               <a:rPr lang="en-US" altLang="ja-JP" sz="3200" dirty="0" smtClean="0">
                 <a:latin typeface="Calibri" pitchFamily="34" charset="0"/>
               </a:rPr>
-              <a:t>2016/</a:t>
-            </a:r>
-            <a:r>
-              <a:rPr lang="en-US" altLang="ja-JP" sz="3200" dirty="0" smtClean="0">
-                <a:latin typeface="Calibri" pitchFamily="34" charset="0"/>
-              </a:rPr>
-              <a:t>0</a:t>
-            </a:r>
-            <a:r>
-              <a:rPr lang="en-US" altLang="ja-JP" sz="3200" dirty="0" smtClean="0">
-                <a:latin typeface="Calibri" pitchFamily="34" charset="0"/>
-              </a:rPr>
-              <a:t>3/08</a:t>
+              <a:t>2016/03/08</a:t>
             </a:r>
             <a:endParaRPr lang="en-US" altLang="ja-JP" sz="3200" dirty="0">
               <a:latin typeface="Calibri" pitchFamily="34" charset="0"/>
@@ -5147,7 +5122,7 @@
   <p:timing>
     <p:tnLst>
       <p:par>
-        <p:cTn xmlns:p14="http://schemas.microsoft.com/office/powerpoint/2010/main" id="1" dur="indefinite" restart="never" nodeType="tmRoot"/>
+        <p:cTn id="1" dur="indefinite" restart="never" nodeType="tmRoot"/>
       </p:par>
     </p:tnLst>
   </p:timing>
@@ -5450,7 +5425,7 @@
   <p:timing>
     <p:tnLst>
       <p:par>
-        <p:cTn xmlns:p14="http://schemas.microsoft.com/office/powerpoint/2010/main" id="1" dur="indefinite" restart="never" nodeType="tmRoot"/>
+        <p:cTn id="1" dur="indefinite" restart="never" nodeType="tmRoot"/>
       </p:par>
     </p:tnLst>
   </p:timing>
@@ -5614,7 +5589,7 @@
   <p:timing>
     <p:tnLst>
       <p:par>
-        <p:cTn xmlns:p14="http://schemas.microsoft.com/office/powerpoint/2010/main" id="1" dur="indefinite" restart="never" nodeType="tmRoot"/>
+        <p:cTn id="1" dur="indefinite" restart="never" nodeType="tmRoot"/>
       </p:par>
     </p:tnLst>
   </p:timing>
@@ -6707,7 +6682,7 @@
   <p:timing>
     <p:tnLst>
       <p:par>
-        <p:cTn xmlns:p14="http://schemas.microsoft.com/office/powerpoint/2010/main" id="1" dur="indefinite" restart="never" nodeType="tmRoot"/>
+        <p:cTn id="1" dur="indefinite" restart="never" nodeType="tmRoot"/>
       </p:par>
     </p:tnLst>
   </p:timing>
@@ -8176,7 +8151,7 @@
   <p:timing>
     <p:tnLst>
       <p:par>
-        <p:cTn xmlns:p14="http://schemas.microsoft.com/office/powerpoint/2010/main" id="1" dur="indefinite" restart="never" nodeType="tmRoot"/>
+        <p:cTn id="1" dur="indefinite" restart="never" nodeType="tmRoot"/>
       </p:par>
     </p:tnLst>
   </p:timing>
@@ -8478,7 +8453,7 @@
   <p:timing>
     <p:tnLst>
       <p:par>
-        <p:cTn xmlns:p14="http://schemas.microsoft.com/office/powerpoint/2010/main" id="1" dur="indefinite" restart="never" nodeType="tmRoot"/>
+        <p:cTn id="1" dur="indefinite" restart="never" nodeType="tmRoot"/>
       </p:par>
     </p:tnLst>
   </p:timing>
@@ -9646,7 +9621,7 @@
   <p:timing>
     <p:tnLst>
       <p:par>
-        <p:cTn xmlns:p14="http://schemas.microsoft.com/office/powerpoint/2010/main" id="1" dur="indefinite" restart="never" nodeType="tmRoot"/>
+        <p:cTn id="1" dur="indefinite" restart="never" nodeType="tmRoot"/>
       </p:par>
     </p:tnLst>
   </p:timing>
@@ -10741,7 +10716,7 @@
   <p:timing>
     <p:tnLst>
       <p:par>
-        <p:cTn xmlns:p14="http://schemas.microsoft.com/office/powerpoint/2010/main" id="1" dur="indefinite" restart="never" nodeType="tmRoot"/>
+        <p:cTn id="1" dur="indefinite" restart="never" nodeType="tmRoot"/>
       </p:par>
     </p:tnLst>
   </p:timing>
@@ -10871,7 +10846,7 @@
   <p:timing>
     <p:tnLst>
       <p:par>
-        <p:cTn xmlns:p14="http://schemas.microsoft.com/office/powerpoint/2010/main" id="1" dur="indefinite" restart="never" nodeType="tmRoot"/>
+        <p:cTn id="1" dur="indefinite" restart="never" nodeType="tmRoot"/>
       </p:par>
     </p:tnLst>
   </p:timing>
@@ -10969,7 +10944,7 @@
   <p:timing>
     <p:tnLst>
       <p:par>
-        <p:cTn xmlns:p14="http://schemas.microsoft.com/office/powerpoint/2010/main" id="1" dur="indefinite" restart="never" nodeType="tmRoot"/>
+        <p:cTn id="1" dur="indefinite" restart="never" nodeType="tmRoot"/>
       </p:par>
     </p:tnLst>
   </p:timing>
@@ -11203,7 +11178,7 @@
   <p:timing>
     <p:tnLst>
       <p:par>
-        <p:cTn xmlns:p14="http://schemas.microsoft.com/office/powerpoint/2010/main" id="1" dur="indefinite" restart="never" nodeType="tmRoot"/>
+        <p:cTn id="1" dur="indefinite" restart="never" nodeType="tmRoot"/>
       </p:par>
     </p:tnLst>
   </p:timing>
@@ -11326,7 +11301,7 @@
   <p:timing>
     <p:tnLst>
       <p:par>
-        <p:cTn xmlns:p14="http://schemas.microsoft.com/office/powerpoint/2010/main" id="1" dur="indefinite" restart="never" nodeType="tmRoot"/>
+        <p:cTn id="1" dur="indefinite" restart="never" nodeType="tmRoot"/>
       </p:par>
     </p:tnLst>
   </p:timing>
@@ -11496,7 +11471,7 @@
   <p:timing>
     <p:tnLst>
       <p:par>
-        <p:cTn xmlns:p14="http://schemas.microsoft.com/office/powerpoint/2010/main" id="1" dur="indefinite" restart="never" nodeType="tmRoot"/>
+        <p:cTn id="1" dur="indefinite" restart="never" nodeType="tmRoot"/>
       </p:par>
     </p:tnLst>
   </p:timing>
@@ -12334,7 +12309,7 @@
         <p:spPr/>
         <p:txBody>
           <a:bodyPr rtlCol="0">
-            <a:normAutofit fontScale="77500" lnSpcReduction="20000"/>
+            <a:normAutofit fontScale="85000" lnSpcReduction="20000"/>
           </a:bodyPr>
           <a:lstStyle/>
           <a:p>
@@ -12671,8 +12646,12 @@
               <a:t> </a:t>
             </a:r>
             <a:r>
+              <a:rPr lang="en-US" altLang="ja-JP" dirty="0" smtClean="0"/>
+              <a:t>extends </a:t>
+            </a:r>
+            <a:r>
               <a:rPr lang="en-US" altLang="ja-JP" dirty="0" err="1" smtClean="0"/>
-              <a:t>extendsCitizenProxy</a:t>
+              <a:t>CitizenProxy</a:t>
             </a:r>
             <a:endParaRPr lang="en-US" altLang="ja-JP" dirty="0" smtClean="0"/>
           </a:p>
@@ -13282,7 +13261,7 @@
   <p:timing>
     <p:tnLst>
       <p:par>
-        <p:cTn xmlns:p14="http://schemas.microsoft.com/office/powerpoint/2010/main" id="1" dur="indefinite" restart="never" nodeType="tmRoot"/>
+        <p:cTn id="1" dur="indefinite" restart="never" nodeType="tmRoot"/>
       </p:par>
     </p:tnLst>
   </p:timing>
@@ -15494,8 +15473,8 @@
               <a:defRPr/>
             </a:pPr>
             <a:r>
-              <a:rPr lang="en-US" altLang="ja-JP" sz="1100" dirty="0"/>
-              <a:t>Driver</a:t>
+              <a:rPr lang="en-US" altLang="ja-JP" sz="1100" dirty="0" err="1" smtClean="0"/>
+              <a:t>SampleDriver</a:t>
             </a:r>
             <a:endParaRPr lang="ja-JP" altLang="en-US" sz="1100" dirty="0"/>
           </a:p>
@@ -17686,7 +17665,7 @@
         </p:spPr>
         <p:txBody>
           <a:bodyPr rtlCol="0">
-            <a:normAutofit fontScale="62500" lnSpcReduction="20000"/>
+            <a:normAutofit fontScale="55000" lnSpcReduction="20000"/>
           </a:bodyPr>
           <a:lstStyle/>
           <a:p>
@@ -19996,7 +19975,7 @@
   <p:timing>
     <p:tnLst>
       <p:par>
-        <p:cTn xmlns:p14="http://schemas.microsoft.com/office/powerpoint/2010/main" id="1" dur="indefinite" restart="never" nodeType="tmRoot"/>
+        <p:cTn id="1" dur="indefinite" restart="never" nodeType="tmRoot"/>
       </p:par>
     </p:tnLst>
   </p:timing>
@@ -22903,7 +22882,7 @@
         </p:spPr>
         <p:txBody>
           <a:bodyPr rtlCol="0">
-            <a:normAutofit lnSpcReduction="10000"/>
+            <a:normAutofit fontScale="92500"/>
           </a:bodyPr>
           <a:lstStyle/>
           <a:p>
@@ -23517,7 +23496,7 @@
         <p:spPr/>
         <p:txBody>
           <a:bodyPr rtlCol="0">
-            <a:normAutofit lnSpcReduction="10000"/>
+            <a:normAutofit fontScale="92500"/>
           </a:bodyPr>
           <a:lstStyle/>
           <a:p>
@@ -24219,7 +24198,7 @@
   <p:timing>
     <p:tnLst>
       <p:par>
-        <p:cTn xmlns:p14="http://schemas.microsoft.com/office/powerpoint/2010/main" id="1" dur="indefinite" restart="never" nodeType="tmRoot"/>
+        <p:cTn id="1" dur="indefinite" restart="never" nodeType="tmRoot"/>
       </p:par>
     </p:tnLst>
   </p:timing>
@@ -25168,7 +25147,7 @@
         </p:spPr>
         <p:txBody>
           <a:bodyPr rtlCol="0">
-            <a:normAutofit fontScale="62500" lnSpcReduction="20000"/>
+            <a:normAutofit fontScale="55000" lnSpcReduction="20000"/>
           </a:bodyPr>
           <a:lstStyle/>
           <a:p>
@@ -25562,7 +25541,7 @@
         </p:spPr>
         <p:txBody>
           <a:bodyPr rtlCol="0">
-            <a:normAutofit fontScale="62500" lnSpcReduction="20000"/>
+            <a:normAutofit fontScale="55000" lnSpcReduction="20000"/>
           </a:bodyPr>
           <a:lstStyle/>
           <a:p>
@@ -28840,7 +28819,7 @@
   <p:timing>
     <p:tnLst>
       <p:par>
-        <p:cTn xmlns:p14="http://schemas.microsoft.com/office/powerpoint/2010/main" id="1" dur="indefinite" restart="never" nodeType="tmRoot"/>
+        <p:cTn id="1" dur="indefinite" restart="never" nodeType="tmRoot"/>
       </p:par>
     </p:tnLst>
   </p:timing>
@@ -31239,7 +31218,7 @@
   <p:timing>
     <p:tnLst>
       <p:par>
-        <p:cTn xmlns:p14="http://schemas.microsoft.com/office/powerpoint/2010/main" id="1" dur="indefinite" restart="never" nodeType="tmRoot"/>
+        <p:cTn id="1" dur="indefinite" restart="never" nodeType="tmRoot"/>
       </p:par>
     </p:tnLst>
   </p:timing>
@@ -34834,7 +34813,7 @@
   <p:timing>
     <p:tnLst>
       <p:par>
-        <p:cTn xmlns:p14="http://schemas.microsoft.com/office/powerpoint/2010/main" id="1" dur="indefinite" restart="never" nodeType="tmRoot"/>
+        <p:cTn id="1" dur="indefinite" restart="never" nodeType="tmRoot"/>
       </p:par>
     </p:tnLst>
   </p:timing>
@@ -37443,7 +37422,7 @@
   <p:timing>
     <p:tnLst>
       <p:par>
-        <p:cTn xmlns:p14="http://schemas.microsoft.com/office/powerpoint/2010/main" id="1" dur="indefinite" restart="never" nodeType="tmRoot"/>
+        <p:cTn id="1" dur="indefinite" restart="never" nodeType="tmRoot"/>
       </p:par>
     </p:tnLst>
   </p:timing>
